--- a/flowchart.pptx
+++ b/flowchart.pptx
@@ -5663,7 +5663,7 @@
                     <a:bodyPr/>
                     <a:lstStyle/>
                     <a:p>
-                      <a:endParaRPr lang="zh-CN" altLang="en-US">
+                      <a:endParaRPr lang="zh-CN" altLang="en-US" dirty="0">
                         <a:solidFill>
                           <a:schemeClr val="tx1"/>
                         </a:solidFill>
@@ -5943,6 +5943,72 @@
           <a:xfrm>
             <a:off x="22296127" y="11780629"/>
             <a:ext cx="4252918" cy="5078376"/>
+          </a:xfrm>
+          <a:prstGeom prst="rect">
+            <a:avLst/>
+          </a:prstGeom>
+        </p:spPr>
+      </p:pic>
+      <p:pic>
+        <p:nvPicPr>
+          <p:cNvPr id="3" name="Picture 2">
+            <a:extLst>
+              <a:ext uri="{FF2B5EF4-FFF2-40B4-BE49-F238E27FC236}">
+                <a16:creationId xmlns:a16="http://schemas.microsoft.com/office/drawing/2014/main" id="{A59C6657-91FA-5C1D-A832-C6A7D8FBBEA2}"/>
+              </a:ext>
+            </a:extLst>
+          </p:cNvPr>
+          <p:cNvPicPr>
+            <a:picLocks noChangeAspect="1"/>
+          </p:cNvPicPr>
+          <p:nvPr/>
+        </p:nvPicPr>
+        <p:blipFill>
+          <a:blip r:embed="rId7"/>
+          <a:stretch>
+            <a:fillRect/>
+          </a:stretch>
+        </p:blipFill>
+        <p:spPr>
+          <a:xfrm>
+            <a:off x="10716658" y="17389990"/>
+            <a:ext cx="5998681" cy="6033355"/>
+          </a:xfrm>
+          <a:prstGeom prst="rect">
+            <a:avLst/>
+          </a:prstGeom>
+        </p:spPr>
+      </p:pic>
+      <p:pic>
+        <p:nvPicPr>
+          <p:cNvPr id="5" name="图形 40">
+            <a:extLst>
+              <a:ext uri="{FF2B5EF4-FFF2-40B4-BE49-F238E27FC236}">
+                <a16:creationId xmlns:a16="http://schemas.microsoft.com/office/drawing/2014/main" id="{5CD36270-C99B-A323-7112-A42A724DB42A}"/>
+              </a:ext>
+            </a:extLst>
+          </p:cNvPr>
+          <p:cNvPicPr>
+            <a:picLocks noChangeAspect="1"/>
+          </p:cNvPicPr>
+          <p:nvPr/>
+        </p:nvPicPr>
+        <p:blipFill>
+          <a:blip r:embed="rId8">
+            <a:extLst>
+              <a:ext uri="{96DAC541-7B7A-43D3-8B79-37D633B846F1}">
+                <asvg:svgBlip xmlns:asvg="http://schemas.microsoft.com/office/drawing/2016/SVG/main" r:embed="rId9"/>
+              </a:ext>
+            </a:extLst>
+          </a:blip>
+          <a:stretch>
+            <a:fillRect/>
+          </a:stretch>
+        </p:blipFill>
+        <p:spPr>
+          <a:xfrm>
+            <a:off x="20513805" y="18624345"/>
+            <a:ext cx="3564643" cy="3564643"/>
           </a:xfrm>
           <a:prstGeom prst="rect">
             <a:avLst/>
@@ -6593,20 +6659,20 @@
 </file>
 
 <file path=customXml/item1.xml><?xml version="1.0" encoding="utf-8"?>
-<p:properties xmlns:p="http://schemas.microsoft.com/office/2006/metadata/properties" xmlns:xsi="http://www.w3.org/2001/XMLSchema-instance" xmlns:pc="http://schemas.microsoft.com/office/infopath/2007/PartnerControls">
-  <documentManagement>
-    <_activity xmlns="bf0484fb-39aa-440e-a7f6-ce6b10828c56" xsi:nil="true"/>
-  </documentManagement>
-</p:properties>
-</file>
-
-<file path=customXml/item2.xml><?xml version="1.0" encoding="utf-8"?>
 <?mso-contentType ?>
 <FormTemplates xmlns="http://schemas.microsoft.com/sharepoint/v3/contenttype/forms">
   <Display>DocumentLibraryForm</Display>
   <Edit>DocumentLibraryForm</Edit>
   <New>DocumentLibraryForm</New>
 </FormTemplates>
+</file>
+
+<file path=customXml/item2.xml><?xml version="1.0" encoding="utf-8"?>
+<p:properties xmlns:p="http://schemas.microsoft.com/office/2006/metadata/properties" xmlns:xsi="http://www.w3.org/2001/XMLSchema-instance" xmlns:pc="http://schemas.microsoft.com/office/infopath/2007/PartnerControls">
+  <documentManagement>
+    <_activity xmlns="bf0484fb-39aa-440e-a7f6-ce6b10828c56" xsi:nil="true"/>
+  </documentManagement>
+</p:properties>
 </file>
 
 <file path=customXml/item3.xml><?xml version="1.0" encoding="utf-8"?>
@@ -6849,6 +6915,14 @@
 </file>
 
 <file path=customXml/itemProps1.xml><?xml version="1.0" encoding="utf-8"?>
+<ds:datastoreItem xmlns:ds="http://schemas.openxmlformats.org/officeDocument/2006/customXml" ds:itemID="{6204957A-1A48-4EA0-8205-DDDFF95B0C42}">
+  <ds:schemaRefs>
+    <ds:schemaRef ds:uri="http://schemas.microsoft.com/sharepoint/v3/contenttype/forms"/>
+  </ds:schemaRefs>
+</ds:datastoreItem>
+</file>
+
+<file path=customXml/itemProps2.xml><?xml version="1.0" encoding="utf-8"?>
 <ds:datastoreItem xmlns:ds="http://schemas.openxmlformats.org/officeDocument/2006/customXml" ds:itemID="{2E6CBD86-C09C-470A-88E8-4B08832346BE}">
   <ds:schemaRefs>
     <ds:schemaRef ds:uri="http://schemas.microsoft.com/office/infopath/2007/PartnerControls"/>
@@ -6861,14 +6935,6 @@
     <ds:schemaRef ds:uri="http://schemas.openxmlformats.org/package/2006/metadata/core-properties"/>
     <ds:schemaRef ds:uri="http://schemas.microsoft.com/office/2006/metadata/properties"/>
     <ds:schemaRef ds:uri="http://purl.org/dc/dcmitype/"/>
-  </ds:schemaRefs>
-</ds:datastoreItem>
-</file>
-
-<file path=customXml/itemProps2.xml><?xml version="1.0" encoding="utf-8"?>
-<ds:datastoreItem xmlns:ds="http://schemas.openxmlformats.org/officeDocument/2006/customXml" ds:itemID="{6204957A-1A48-4EA0-8205-DDDFF95B0C42}">
-  <ds:schemaRefs>
-    <ds:schemaRef ds:uri="http://schemas.microsoft.com/sharepoint/v3/contenttype/forms"/>
   </ds:schemaRefs>
 </ds:datastoreItem>
 </file>
